--- a/Presentation/Endoscope Semantic Segmentation.pptx
+++ b/Presentation/Endoscope Semantic Segmentation.pptx
@@ -227,7 +227,7 @@
           <a:p>
             <a:fld id="{2DC5A369-CA0E-4FC6-90EE-5FA969A08EF8}" type="datetimeFigureOut">
               <a:rPr lang="en-US" smtClean="0"/>
-              <a:t>5/2/2025</a:t>
+              <a:t>5/5/2025</a:t>
             </a:fld>
             <a:endParaRPr lang="en-US" dirty="0"/>
           </a:p>
@@ -404,7 +404,7 @@
           <a:p>
             <a:fld id="{334AB06A-EEDC-421C-B5A0-5E9E5241A8E5}" type="datetimeFigureOut">
               <a:rPr lang="en-US" smtClean="0"/>
-              <a:t>5/2/2025</a:t>
+              <a:t>5/5/2025</a:t>
             </a:fld>
             <a:endParaRPr lang="en-US" dirty="0"/>
           </a:p>
@@ -14515,7 +14515,7 @@
             <p:ph type="tbl" sz="quarter" idx="10"/>
             <p:extLst>
               <p:ext uri="{D42A27DB-BD31-4B8C-83A1-F6EECF244321}">
-                <p14:modId xmlns:p14="http://schemas.microsoft.com/office/powerpoint/2010/main" val="746802298"/>
+                <p14:modId xmlns:p14="http://schemas.microsoft.com/office/powerpoint/2010/main" val="2365677086"/>
               </p:ext>
             </p:extLst>
           </p:nvPr>
@@ -14749,7 +14749,10 @@
                     <a:bodyPr/>
                     <a:lstStyle/>
                     <a:p>
-                      <a:endParaRPr lang="en-US" dirty="0"/>
+                      <a:r>
+                        <a:rPr lang="en-US" dirty="0"/>
+                        <a:t>98.94%</a:t>
+                      </a:r>
                     </a:p>
                   </a:txBody>
                   <a:tcPr/>
@@ -14828,7 +14831,10 @@
                     <a:bodyPr/>
                     <a:lstStyle/>
                     <a:p>
-                      <a:endParaRPr lang="en-US"/>
+                      <a:r>
+                        <a:rPr lang="en-US" dirty="0"/>
+                        <a:t>50.19%</a:t>
+                      </a:r>
                     </a:p>
                   </a:txBody>
                   <a:tcPr/>
@@ -14883,7 +14889,10 @@
                     <a:bodyPr/>
                     <a:lstStyle/>
                     <a:p>
-                      <a:endParaRPr lang="en-US" dirty="0"/>
+                      <a:r>
+                        <a:rPr lang="en-US" dirty="0"/>
+                        <a:t>51.67%</a:t>
+                      </a:r>
                     </a:p>
                   </a:txBody>
                   <a:tcPr/>
@@ -21768,6 +21777,15 @@
 </file>
 
 <file path=customXml/item1.xml><?xml version="1.0" encoding="utf-8"?>
+<?mso-contentType ?>
+<FormTemplates xmlns="http://schemas.microsoft.com/sharepoint/v3/contenttype/forms">
+  <Display>DocumentLibraryForm</Display>
+  <Edit>DocumentLibraryForm</Edit>
+  <New>DocumentLibraryForm</New>
+</FormTemplates>
+</file>
+
+<file path=customXml/item2.xml><?xml version="1.0" encoding="utf-8"?>
 <ct:contentTypeSchema xmlns:ct="http://schemas.microsoft.com/office/2006/metadata/contentType" xmlns:ma="http://schemas.microsoft.com/office/2006/metadata/properties/metaAttributes" ct:_="" ma:_="" ma:contentTypeName="Document" ma:contentTypeID="0x01010079F111ED35F8CC479449609E8A0923A6" ma:contentTypeVersion="28" ma:contentTypeDescription="Create a new document." ma:contentTypeScope="" ma:versionID="60f5a4f2d2b0abadcf532d48ebf9cb71">
   <xsd:schema xmlns:xsd="http://www.w3.org/2001/XMLSchema" xmlns:xs="http://www.w3.org/2001/XMLSchema" xmlns:p="http://schemas.microsoft.com/office/2006/metadata/properties" xmlns:ns1="http://schemas.microsoft.com/sharepoint/v3" xmlns:ns2="71af3243-3dd4-4a8d-8c0d-dd76da1f02a5" xmlns:ns3="16c05727-aa75-4e4a-9b5f-8a80a1165891" xmlns:ns4="230e9df3-be65-4c73-a93b-d1236ebd677e" targetNamespace="http://schemas.microsoft.com/office/2006/metadata/properties" ma:root="true" ma:fieldsID="7dd78129e6a1811f84807ad11c651531" ns1:_="" ns2:_="" ns3:_="" ns4:_="">
     <xsd:import namespace="http://schemas.microsoft.com/sharepoint/v3"/>
@@ -22079,15 +22097,6 @@
 </ct:contentTypeSchema>
 </file>
 
-<file path=customXml/item2.xml><?xml version="1.0" encoding="utf-8"?>
-<?mso-contentType ?>
-<FormTemplates xmlns="http://schemas.microsoft.com/sharepoint/v3/contenttype/forms">
-  <Display>DocumentLibraryForm</Display>
-  <Edit>DocumentLibraryForm</Edit>
-  <New>DocumentLibraryForm</New>
-</FormTemplates>
-</file>
-
 <file path=customXml/item3.xml><?xml version="1.0" encoding="utf-8"?>
 <p:properties xmlns:p="http://schemas.microsoft.com/office/2006/metadata/properties" xmlns:xsi="http://www.w3.org/2001/XMLSchema-instance" xmlns:pc="http://schemas.microsoft.com/office/infopath/2007/PartnerControls">
   <documentManagement>
@@ -22109,6 +22118,14 @@
 </file>
 
 <file path=customXml/itemProps1.xml><?xml version="1.0" encoding="utf-8"?>
+<ds:datastoreItem xmlns:ds="http://schemas.openxmlformats.org/officeDocument/2006/customXml" ds:itemID="{4C5C2001-E626-4890-B405-22B5BD1CB05A}">
+  <ds:schemaRefs>
+    <ds:schemaRef ds:uri="http://schemas.microsoft.com/sharepoint/v3/contenttype/forms"/>
+  </ds:schemaRefs>
+</ds:datastoreItem>
+</file>
+
+<file path=customXml/itemProps2.xml><?xml version="1.0" encoding="utf-8"?>
 <ds:datastoreItem xmlns:ds="http://schemas.openxmlformats.org/officeDocument/2006/customXml" ds:itemID="{55453AF4-4FB0-4B39-9296-55DED383E987}">
   <ds:schemaRefs>
     <ds:schemaRef ds:uri="http://schemas.microsoft.com/office/2006/metadata/contentType"/>
@@ -22129,14 +22146,6 @@
 </ds:datastoreItem>
 </file>
 
-<file path=customXml/itemProps2.xml><?xml version="1.0" encoding="utf-8"?>
-<ds:datastoreItem xmlns:ds="http://schemas.openxmlformats.org/officeDocument/2006/customXml" ds:itemID="{4C5C2001-E626-4890-B405-22B5BD1CB05A}">
-  <ds:schemaRefs>
-    <ds:schemaRef ds:uri="http://schemas.microsoft.com/sharepoint/v3/contenttype/forms"/>
-  </ds:schemaRefs>
-</ds:datastoreItem>
-</file>
-
 <file path=customXml/itemProps3.xml><?xml version="1.0" encoding="utf-8"?>
 <ds:datastoreItem xmlns:ds="http://schemas.openxmlformats.org/officeDocument/2006/customXml" ds:itemID="{80D7C3E5-1734-4636-9EC5-AEB06BF1FB20}">
   <ds:schemaRefs>
